--- a/Presentations/SC17_HPCCarpentry_BoF_Ongoing_AndyT.pptx
+++ b/Presentations/SC17_HPCCarpentry_BoF_Ongoing_AndyT.pptx
@@ -2,7 +2,7 @@
 <file path=ppt/presentation.xml><?xml version="1.0" encoding="utf-8"?>
 <p:presentation xmlns:a="http://schemas.openxmlformats.org/drawingml/2006/main" xmlns:r="http://schemas.openxmlformats.org/officeDocument/2006/relationships" xmlns:p="http://schemas.openxmlformats.org/presentationml/2006/main" saveSubsetFonts="1" autoCompressPictures="0">
   <p:sldMasterIdLst>
-    <p:sldMasterId id="2147483660" r:id="rId1"/>
+    <p:sldMasterId id="2147483672" r:id="rId1"/>
   </p:sldMasterIdLst>
   <p:notesMasterIdLst>
     <p:notesMasterId r:id="rId6"/>
@@ -13,7 +13,7 @@
     <p:sldId id="260" r:id="rId4"/>
     <p:sldId id="257" r:id="rId5"/>
   </p:sldIdLst>
-  <p:sldSz cx="9144000" cy="6858000" type="screen4x3"/>
+  <p:sldSz cx="12192000" cy="6858000"/>
   <p:notesSz cx="6858000" cy="9144000"/>
   <p:defaultTextStyle>
     <a:defPPr>
@@ -200,7 +200,7 @@
           <a:p>
             <a:fld id="{83256C25-F53A-184A-95A7-C1B4C654E5A3}" type="datetimeFigureOut">
               <a:rPr lang="en-US" smtClean="0"/>
-              <a:t>11/12/17</a:t>
+              <a:t>11/13/17</a:t>
             </a:fld>
             <a:endParaRPr lang="en-US"/>
           </a:p>
@@ -218,8 +218,8 @@
         </p:nvSpPr>
         <p:spPr>
           <a:xfrm>
-            <a:off x="1371600" y="1143000"/>
-            <a:ext cx="4114800" cy="3086100"/>
+            <a:off x="685800" y="1143000"/>
+            <a:ext cx="5486400" cy="3086100"/>
           </a:xfrm>
           <a:prstGeom prst="rect">
             <a:avLst/>
@@ -497,8 +497,8 @@
         </p:nvSpPr>
         <p:spPr>
           <a:xfrm>
-            <a:off x="1371600" y="1143000"/>
-            <a:ext cx="4114800" cy="3086100"/>
+            <a:off x="685800" y="1143000"/>
+            <a:ext cx="5486400" cy="3086100"/>
           </a:xfrm>
         </p:spPr>
       </p:sp>
@@ -611,8 +611,8 @@
         </p:nvSpPr>
         <p:spPr>
           <a:xfrm>
-            <a:off x="685800" y="1122363"/>
-            <a:ext cx="7772400" cy="2387600"/>
+            <a:off x="1524000" y="1122363"/>
+            <a:ext cx="9144000" cy="2387600"/>
           </a:xfrm>
         </p:spPr>
         <p:txBody>
@@ -643,8 +643,8 @@
         </p:nvSpPr>
         <p:spPr>
           <a:xfrm>
-            <a:off x="1143000" y="3602038"/>
-            <a:ext cx="6858000" cy="1655762"/>
+            <a:off x="1524000" y="3602038"/>
+            <a:ext cx="9144000" cy="1655762"/>
           </a:xfrm>
         </p:spPr>
         <p:txBody>
@@ -713,7 +713,7 @@
           <a:p>
             <a:fld id="{A9230A7F-3885-C446-9B2F-562610C31808}" type="datetimeFigureOut">
               <a:rPr lang="en-US" smtClean="0"/>
-              <a:t>11/12/17</a:t>
+              <a:t>11/13/17</a:t>
             </a:fld>
             <a:endParaRPr lang="en-US"/>
           </a:p>
@@ -878,7 +878,7 @@
           <a:p>
             <a:fld id="{A9230A7F-3885-C446-9B2F-562610C31808}" type="datetimeFigureOut">
               <a:rPr lang="en-US" smtClean="0"/>
-              <a:t>11/12/17</a:t>
+              <a:t>11/13/17</a:t>
             </a:fld>
             <a:endParaRPr lang="en-US"/>
           </a:p>
@@ -963,8 +963,8 @@
         </p:nvSpPr>
         <p:spPr>
           <a:xfrm>
-            <a:off x="6543675" y="365125"/>
-            <a:ext cx="1971675" cy="5811838"/>
+            <a:off x="8724900" y="365125"/>
+            <a:ext cx="2628900" cy="5811838"/>
           </a:xfrm>
         </p:spPr>
         <p:txBody>
@@ -991,8 +991,8 @@
         </p:nvSpPr>
         <p:spPr>
           <a:xfrm>
-            <a:off x="628650" y="365125"/>
-            <a:ext cx="5800725" cy="5811838"/>
+            <a:off x="838200" y="365125"/>
+            <a:ext cx="7734300" cy="5811838"/>
           </a:xfrm>
         </p:spPr>
         <p:txBody>
@@ -1053,7 +1053,7 @@
           <a:p>
             <a:fld id="{A9230A7F-3885-C446-9B2F-562610C31808}" type="datetimeFigureOut">
               <a:rPr lang="en-US" smtClean="0"/>
-              <a:t>11/12/17</a:t>
+              <a:t>11/13/17</a:t>
             </a:fld>
             <a:endParaRPr lang="en-US"/>
           </a:p>
@@ -1218,7 +1218,7 @@
           <a:p>
             <a:fld id="{A9230A7F-3885-C446-9B2F-562610C31808}" type="datetimeFigureOut">
               <a:rPr lang="en-US" smtClean="0"/>
-              <a:t>11/12/17</a:t>
+              <a:t>11/13/17</a:t>
             </a:fld>
             <a:endParaRPr lang="en-US"/>
           </a:p>
@@ -1303,8 +1303,8 @@
         </p:nvSpPr>
         <p:spPr>
           <a:xfrm>
-            <a:off x="623888" y="1709739"/>
-            <a:ext cx="7886700" cy="2852737"/>
+            <a:off x="831850" y="1709738"/>
+            <a:ext cx="10515600" cy="2852737"/>
           </a:xfrm>
         </p:spPr>
         <p:txBody>
@@ -1335,8 +1335,8 @@
         </p:nvSpPr>
         <p:spPr>
           <a:xfrm>
-            <a:off x="623888" y="4589464"/>
-            <a:ext cx="7886700" cy="1500187"/>
+            <a:off x="831850" y="4589463"/>
+            <a:ext cx="10515600" cy="1500187"/>
           </a:xfrm>
         </p:spPr>
         <p:txBody>
@@ -1346,7 +1346,9 @@
               <a:buNone/>
               <a:defRPr sz="2400">
                 <a:solidFill>
-                  <a:schemeClr val="tx1"/>
+                  <a:schemeClr val="tx1">
+                    <a:tint val="75000"/>
+                  </a:schemeClr>
                 </a:solidFill>
               </a:defRPr>
             </a:lvl1pPr>
@@ -1457,7 +1459,7 @@
           <a:p>
             <a:fld id="{A9230A7F-3885-C446-9B2F-562610C31808}" type="datetimeFigureOut">
               <a:rPr lang="en-US" smtClean="0"/>
-              <a:t>11/12/17</a:t>
+              <a:t>11/13/17</a:t>
             </a:fld>
             <a:endParaRPr lang="en-US"/>
           </a:p>
@@ -1565,8 +1567,8 @@
         </p:nvSpPr>
         <p:spPr>
           <a:xfrm>
-            <a:off x="628650" y="1825625"/>
-            <a:ext cx="3886200" cy="4351338"/>
+            <a:off x="838200" y="1825625"/>
+            <a:ext cx="5181600" cy="4351338"/>
           </a:xfrm>
         </p:spPr>
         <p:txBody>
@@ -1622,8 +1624,8 @@
         </p:nvSpPr>
         <p:spPr>
           <a:xfrm>
-            <a:off x="4629150" y="1825625"/>
-            <a:ext cx="3886200" cy="4351338"/>
+            <a:off x="6172200" y="1825625"/>
+            <a:ext cx="5181600" cy="4351338"/>
           </a:xfrm>
         </p:spPr>
         <p:txBody>
@@ -1684,7 +1686,7 @@
           <a:p>
             <a:fld id="{A9230A7F-3885-C446-9B2F-562610C31808}" type="datetimeFigureOut">
               <a:rPr lang="en-US" smtClean="0"/>
-              <a:t>11/12/17</a:t>
+              <a:t>11/13/17</a:t>
             </a:fld>
             <a:endParaRPr lang="en-US"/>
           </a:p>
@@ -1769,8 +1771,8 @@
         </p:nvSpPr>
         <p:spPr>
           <a:xfrm>
-            <a:off x="629841" y="365126"/>
-            <a:ext cx="7886700" cy="1325563"/>
+            <a:off x="839788" y="365125"/>
+            <a:ext cx="10515600" cy="1325563"/>
           </a:xfrm>
         </p:spPr>
         <p:txBody>
@@ -1797,8 +1799,8 @@
         </p:nvSpPr>
         <p:spPr>
           <a:xfrm>
-            <a:off x="629842" y="1681163"/>
-            <a:ext cx="3868340" cy="823912"/>
+            <a:off x="839788" y="1681163"/>
+            <a:ext cx="5157787" cy="823912"/>
           </a:xfrm>
         </p:spPr>
         <p:txBody>
@@ -1862,8 +1864,8 @@
         </p:nvSpPr>
         <p:spPr>
           <a:xfrm>
-            <a:off x="629842" y="2505075"/>
-            <a:ext cx="3868340" cy="3684588"/>
+            <a:off x="839788" y="2505075"/>
+            <a:ext cx="5157787" cy="3684588"/>
           </a:xfrm>
         </p:spPr>
         <p:txBody>
@@ -1919,8 +1921,8 @@
         </p:nvSpPr>
         <p:spPr>
           <a:xfrm>
-            <a:off x="4629150" y="1681163"/>
-            <a:ext cx="3887391" cy="823912"/>
+            <a:off x="6172200" y="1681163"/>
+            <a:ext cx="5183188" cy="823912"/>
           </a:xfrm>
         </p:spPr>
         <p:txBody>
@@ -1984,8 +1986,8 @@
         </p:nvSpPr>
         <p:spPr>
           <a:xfrm>
-            <a:off x="4629150" y="2505075"/>
-            <a:ext cx="3887391" cy="3684588"/>
+            <a:off x="6172200" y="2505075"/>
+            <a:ext cx="5183188" cy="3684588"/>
           </a:xfrm>
         </p:spPr>
         <p:txBody>
@@ -2046,7 +2048,7 @@
           <a:p>
             <a:fld id="{A9230A7F-3885-C446-9B2F-562610C31808}" type="datetimeFigureOut">
               <a:rPr lang="en-US" smtClean="0"/>
-              <a:t>11/12/17</a:t>
+              <a:t>11/13/17</a:t>
             </a:fld>
             <a:endParaRPr lang="en-US"/>
           </a:p>
@@ -2159,7 +2161,7 @@
           <a:p>
             <a:fld id="{A9230A7F-3885-C446-9B2F-562610C31808}" type="datetimeFigureOut">
               <a:rPr lang="en-US" smtClean="0"/>
-              <a:t>11/12/17</a:t>
+              <a:t>11/13/17</a:t>
             </a:fld>
             <a:endParaRPr lang="en-US"/>
           </a:p>
@@ -2249,7 +2251,7 @@
           <a:p>
             <a:fld id="{A9230A7F-3885-C446-9B2F-562610C31808}" type="datetimeFigureOut">
               <a:rPr lang="en-US" smtClean="0"/>
-              <a:t>11/12/17</a:t>
+              <a:t>11/13/17</a:t>
             </a:fld>
             <a:endParaRPr lang="en-US"/>
           </a:p>
@@ -2334,8 +2336,8 @@
         </p:nvSpPr>
         <p:spPr>
           <a:xfrm>
-            <a:off x="629841" y="457200"/>
-            <a:ext cx="2949178" cy="1600200"/>
+            <a:off x="839788" y="457200"/>
+            <a:ext cx="3932237" cy="1600200"/>
           </a:xfrm>
         </p:spPr>
         <p:txBody>
@@ -2366,8 +2368,8 @@
         </p:nvSpPr>
         <p:spPr>
           <a:xfrm>
-            <a:off x="3887391" y="987426"/>
-            <a:ext cx="4629150" cy="4873625"/>
+            <a:off x="5183188" y="987425"/>
+            <a:ext cx="6172200" cy="4873625"/>
           </a:xfrm>
         </p:spPr>
         <p:txBody>
@@ -2451,8 +2453,8 @@
         </p:nvSpPr>
         <p:spPr>
           <a:xfrm>
-            <a:off x="629841" y="2057400"/>
-            <a:ext cx="2949178" cy="3811588"/>
+            <a:off x="839788" y="2057400"/>
+            <a:ext cx="3932237" cy="3811588"/>
           </a:xfrm>
         </p:spPr>
         <p:txBody>
@@ -2521,7 +2523,7 @@
           <a:p>
             <a:fld id="{A9230A7F-3885-C446-9B2F-562610C31808}" type="datetimeFigureOut">
               <a:rPr lang="en-US" smtClean="0"/>
-              <a:t>11/12/17</a:t>
+              <a:t>11/13/17</a:t>
             </a:fld>
             <a:endParaRPr lang="en-US"/>
           </a:p>
@@ -2606,8 +2608,8 @@
         </p:nvSpPr>
         <p:spPr>
           <a:xfrm>
-            <a:off x="629841" y="457200"/>
-            <a:ext cx="2949178" cy="1600200"/>
+            <a:off x="839788" y="457200"/>
+            <a:ext cx="3932237" cy="1600200"/>
           </a:xfrm>
         </p:spPr>
         <p:txBody>
@@ -2638,8 +2640,8 @@
         </p:nvSpPr>
         <p:spPr>
           <a:xfrm>
-            <a:off x="3887391" y="987426"/>
-            <a:ext cx="4629150" cy="4873625"/>
+            <a:off x="5183188" y="987425"/>
+            <a:ext cx="6172200" cy="4873625"/>
           </a:xfrm>
         </p:spPr>
         <p:txBody>
@@ -2703,8 +2705,8 @@
         </p:nvSpPr>
         <p:spPr>
           <a:xfrm>
-            <a:off x="629841" y="2057400"/>
-            <a:ext cx="2949178" cy="3811588"/>
+            <a:off x="839788" y="2057400"/>
+            <a:ext cx="3932237" cy="3811588"/>
           </a:xfrm>
         </p:spPr>
         <p:txBody>
@@ -2773,7 +2775,7 @@
           <a:p>
             <a:fld id="{A9230A7F-3885-C446-9B2F-562610C31808}" type="datetimeFigureOut">
               <a:rPr lang="en-US" smtClean="0"/>
-              <a:t>11/12/17</a:t>
+              <a:t>11/13/17</a:t>
             </a:fld>
             <a:endParaRPr lang="en-US"/>
           </a:p>
@@ -2863,8 +2865,8 @@
         </p:nvSpPr>
         <p:spPr>
           <a:xfrm>
-            <a:off x="628650" y="365126"/>
-            <a:ext cx="7886700" cy="1325563"/>
+            <a:off x="838200" y="365125"/>
+            <a:ext cx="10515600" cy="1325563"/>
           </a:xfrm>
           <a:prstGeom prst="rect">
             <a:avLst/>
@@ -2896,8 +2898,8 @@
         </p:nvSpPr>
         <p:spPr>
           <a:xfrm>
-            <a:off x="628650" y="1825625"/>
-            <a:ext cx="7886700" cy="4351338"/>
+            <a:off x="838200" y="1825625"/>
+            <a:ext cx="10515600" cy="4351338"/>
           </a:xfrm>
           <a:prstGeom prst="rect">
             <a:avLst/>
@@ -2958,8 +2960,8 @@
         </p:nvSpPr>
         <p:spPr>
           <a:xfrm>
-            <a:off x="628650" y="6356351"/>
-            <a:ext cx="2057400" cy="365125"/>
+            <a:off x="838200" y="6356350"/>
+            <a:ext cx="2743200" cy="365125"/>
           </a:xfrm>
           <a:prstGeom prst="rect">
             <a:avLst/>
@@ -2981,7 +2983,7 @@
           <a:p>
             <a:fld id="{A9230A7F-3885-C446-9B2F-562610C31808}" type="datetimeFigureOut">
               <a:rPr lang="en-US" smtClean="0"/>
-              <a:t>11/12/17</a:t>
+              <a:t>11/13/17</a:t>
             </a:fld>
             <a:endParaRPr lang="en-US"/>
           </a:p>
@@ -2999,8 +3001,8 @@
         </p:nvSpPr>
         <p:spPr>
           <a:xfrm>
-            <a:off x="3028950" y="6356351"/>
-            <a:ext cx="3086100" cy="365125"/>
+            <a:off x="4038600" y="6356350"/>
+            <a:ext cx="4114800" cy="365125"/>
           </a:xfrm>
           <a:prstGeom prst="rect">
             <a:avLst/>
@@ -3036,8 +3038,8 @@
         </p:nvSpPr>
         <p:spPr>
           <a:xfrm>
-            <a:off x="6457950" y="6356351"/>
-            <a:ext cx="2057400" cy="365125"/>
+            <a:off x="8610600" y="6356350"/>
+            <a:ext cx="2743200" cy="365125"/>
           </a:xfrm>
           <a:prstGeom prst="rect">
             <a:avLst/>
@@ -3068,23 +3070,23 @@
     </p:spTree>
     <p:extLst>
       <p:ext uri="{BB962C8B-B14F-4D97-AF65-F5344CB8AC3E}">
-        <p14:creationId xmlns:p14="http://schemas.microsoft.com/office/powerpoint/2010/main" val="2024923208"/>
+        <p14:creationId xmlns:p14="http://schemas.microsoft.com/office/powerpoint/2010/main" val="548660112"/>
       </p:ext>
     </p:extLst>
   </p:cSld>
   <p:clrMap bg1="lt1" tx1="dk1" bg2="lt2" tx2="dk2" accent1="accent1" accent2="accent2" accent3="accent3" accent4="accent4" accent5="accent5" accent6="accent6" hlink="hlink" folHlink="folHlink"/>
   <p:sldLayoutIdLst>
-    <p:sldLayoutId id="2147483661" r:id="rId1"/>
-    <p:sldLayoutId id="2147483662" r:id="rId2"/>
-    <p:sldLayoutId id="2147483663" r:id="rId3"/>
-    <p:sldLayoutId id="2147483664" r:id="rId4"/>
-    <p:sldLayoutId id="2147483665" r:id="rId5"/>
-    <p:sldLayoutId id="2147483666" r:id="rId6"/>
-    <p:sldLayoutId id="2147483667" r:id="rId7"/>
-    <p:sldLayoutId id="2147483668" r:id="rId8"/>
-    <p:sldLayoutId id="2147483669" r:id="rId9"/>
-    <p:sldLayoutId id="2147483670" r:id="rId10"/>
-    <p:sldLayoutId id="2147483671" r:id="rId11"/>
+    <p:sldLayoutId id="2147483673" r:id="rId1"/>
+    <p:sldLayoutId id="2147483674" r:id="rId2"/>
+    <p:sldLayoutId id="2147483675" r:id="rId3"/>
+    <p:sldLayoutId id="2147483676" r:id="rId4"/>
+    <p:sldLayoutId id="2147483677" r:id="rId5"/>
+    <p:sldLayoutId id="2147483678" r:id="rId6"/>
+    <p:sldLayoutId id="2147483679" r:id="rId7"/>
+    <p:sldLayoutId id="2147483680" r:id="rId8"/>
+    <p:sldLayoutId id="2147483681" r:id="rId9"/>
+    <p:sldLayoutId id="2147483682" r:id="rId10"/>
+    <p:sldLayoutId id="2147483683" r:id="rId11"/>
   </p:sldLayoutIdLst>
   <p:txStyles>
     <p:titleStyle>
@@ -3518,7 +3520,12 @@
             <p:ph idx="1"/>
           </p:nvPr>
         </p:nvSpPr>
-        <p:spPr/>
+        <p:spPr>
+          <a:xfrm>
+            <a:off x="838200" y="1825625"/>
+            <a:ext cx="6284495" cy="4351338"/>
+          </a:xfrm>
+        </p:spPr>
         <p:txBody>
           <a:bodyPr/>
           <a:lstStyle/>
@@ -3572,6 +3579,36 @@
           </a:p>
         </p:txBody>
       </p:sp>
+      <p:pic>
+        <p:nvPicPr>
+          <p:cNvPr id="4" name="Picture 3"/>
+          <p:cNvPicPr>
+            <a:picLocks noChangeAspect="1"/>
+          </p:cNvPicPr>
+          <p:nvPr/>
+        </p:nvPicPr>
+        <p:blipFill>
+          <a:blip r:embed="rId3">
+            <a:extLst>
+              <a:ext uri="{28A0092B-C50C-407E-A947-70E740481C1C}">
+                <a14:useLocalDpi xmlns:a14="http://schemas.microsoft.com/office/drawing/2010/main" val="0"/>
+              </a:ext>
+            </a:extLst>
+          </a:blip>
+          <a:stretch>
+            <a:fillRect/>
+          </a:stretch>
+        </p:blipFill>
+        <p:spPr>
+          <a:xfrm>
+            <a:off x="7418136" y="2114383"/>
+            <a:ext cx="4318000" cy="3327400"/>
+          </a:xfrm>
+          <a:prstGeom prst="rect">
+            <a:avLst/>
+          </a:prstGeom>
+        </p:spPr>
+      </p:pic>
     </p:spTree>
     <p:extLst>
       <p:ext uri="{BB962C8B-B14F-4D97-AF65-F5344CB8AC3E}">
@@ -3582,6 +3619,13 @@
   <p:clrMapOvr>
     <a:masterClrMapping/>
   </p:clrMapOvr>
+  <p:timing>
+    <p:tnLst>
+      <p:par>
+        <p:cTn id="1" dur="indefinite" restart="never" nodeType="tmRoot"/>
+      </p:par>
+    </p:tnLst>
+  </p:timing>
 </p:sld>
 </file>
 
@@ -3642,7 +3686,15 @@
           <a:p>
             <a:r>
               <a:rPr lang="en-US" dirty="0" smtClean="0"/>
-              <a:t>How can learners continue to practice beyond end of course?</a:t>
+              <a:t>How can learners continue to </a:t>
+            </a:r>
+            <a:r>
+              <a:rPr lang="en-US" dirty="0" err="1" smtClean="0"/>
+              <a:t>practise</a:t>
+            </a:r>
+            <a:r>
+              <a:rPr lang="en-US" dirty="0" smtClean="0"/>
+              <a:t> beyond end of course?</a:t>
             </a:r>
           </a:p>
           <a:p>
@@ -3697,7 +3749,7 @@
             </a:r>
             <a:r>
               <a:rPr lang="en-US" dirty="0" smtClean="0"/>
-              <a:t> should not affect modules and lessons much</a:t>
+              <a:t> should not affect modules and lessons much?</a:t>
             </a:r>
             <a:endParaRPr lang="en-US" dirty="0"/>
           </a:p>
@@ -3769,7 +3821,7 @@
         <p:spPr/>
         <p:txBody>
           <a:bodyPr>
-            <a:normAutofit fontScale="85000" lnSpcReduction="10000"/>
+            <a:normAutofit fontScale="85000" lnSpcReduction="20000"/>
           </a:bodyPr>
           <a:lstStyle/>
           <a:p>
@@ -3867,28 +3919,19 @@
               <a:rPr lang="en-US" dirty="0" smtClean="0"/>
               <a:t> </a:t>
             </a:r>
-            <a:endParaRPr lang="en-US" dirty="0" smtClean="0"/>
           </a:p>
           <a:p>
             <a:pPr lvl="1"/>
             <a:r>
               <a:rPr lang="en-US" dirty="0" smtClean="0"/>
-              <a:t>Proposed PRACE MPI </a:t>
-            </a:r>
+              <a:t>Proposed PRACE MPI MOOC</a:t>
+            </a:r>
+          </a:p>
+          <a:p>
+            <a:pPr lvl="1"/>
             <a:r>
               <a:rPr lang="en-US" dirty="0" smtClean="0"/>
-              <a:t>MOOC</a:t>
-            </a:r>
-          </a:p>
-          <a:p>
-            <a:pPr lvl="1"/>
-            <a:r>
-              <a:rPr lang="en-US" dirty="0" smtClean="0"/>
-              <a:t>Other </a:t>
-            </a:r>
-            <a:r>
-              <a:rPr lang="en-US" dirty="0" smtClean="0"/>
-              <a:t>options</a:t>
+              <a:t>Other options</a:t>
             </a:r>
             <a:r>
               <a:rPr lang="mr-IN" dirty="0" smtClean="0"/>
@@ -3899,15 +3942,7 @@
           <a:p>
             <a:r>
               <a:rPr lang="en-US" dirty="0" smtClean="0"/>
-              <a:t>Potential for </a:t>
-            </a:r>
-            <a:r>
-              <a:rPr lang="en-US" dirty="0" smtClean="0"/>
-              <a:t>advanced </a:t>
-            </a:r>
-            <a:r>
-              <a:rPr lang="en-US" dirty="0" smtClean="0"/>
-              <a:t>HPC Carpentry courses/modules?</a:t>
+              <a:t>Potential for advanced HPC Carpentry courses/modules?</a:t>
             </a:r>
           </a:p>
           <a:p>
@@ -3937,6 +3972,12 @@
             <a:r>
               <a:rPr lang="en-US" dirty="0" smtClean="0"/>
               <a:t> </a:t>
+            </a:r>
+          </a:p>
+          <a:p>
+            <a:r>
+              <a:rPr lang="en-US" dirty="0" smtClean="0"/>
+              <a:t>Ties into having a curated list of HPC training available</a:t>
             </a:r>
             <a:endParaRPr lang="en-US" dirty="0"/>
           </a:p>
